--- a/Presentation/presentation.pptx
+++ b/Presentation/presentation.pptx
@@ -5,10 +5,10 @@
     <p:sldMasterId id="2147484103" r:id="rId1"/>
   </p:sldMasterIdLst>
   <p:notesMasterIdLst>
-    <p:notesMasterId r:id="rId12"/>
+    <p:notesMasterId r:id="rId13"/>
   </p:notesMasterIdLst>
   <p:handoutMasterIdLst>
-    <p:handoutMasterId r:id="rId13"/>
+    <p:handoutMasterId r:id="rId14"/>
   </p:handoutMasterIdLst>
   <p:sldIdLst>
     <p:sldId id="256" r:id="rId2"/>
@@ -20,7 +20,8 @@
     <p:sldId id="264" r:id="rId8"/>
     <p:sldId id="261" r:id="rId9"/>
     <p:sldId id="262" r:id="rId10"/>
-    <p:sldId id="265" r:id="rId11"/>
+    <p:sldId id="266" r:id="rId11"/>
+    <p:sldId id="265" r:id="rId12"/>
   </p:sldIdLst>
   <p:sldSz cx="9144000" cy="6858000" type="screen4x3"/>
   <p:notesSz cx="7559675" cy="10691813"/>
@@ -4162,6 +4163,244 @@
         </p:nvSpPr>
         <p:spPr>
           <a:xfrm>
+            <a:off x="2195736" y="404664"/>
+            <a:ext cx="6787800" cy="5328592"/>
+          </a:xfrm>
+          <a:prstGeom prst="rect">
+            <a:avLst/>
+          </a:prstGeom>
+        </p:spPr>
+        <p:txBody>
+          <a:bodyPr anchor="t"/>
+          <a:lstStyle/>
+          <a:p>
+            <a:r>
+              <a:rPr lang="fr-FR" sz="4400" u="sng" dirty="0" smtClean="0">
+                <a:latin typeface="Arial"/>
+              </a:rPr>
+              <a:t>Problèmes rencontrés:</a:t>
+            </a:r>
+            <a:endParaRPr lang="fr-FR" sz="6000" u="sng" dirty="0" smtClean="0">
+              <a:latin typeface="Arial"/>
+            </a:endParaRPr>
+          </a:p>
+          <a:p>
+            <a:endParaRPr lang="fr-FR" sz="3200" dirty="0" smtClean="0">
+              <a:latin typeface="Arial"/>
+            </a:endParaRPr>
+          </a:p>
+          <a:p>
+            <a:r>
+              <a:rPr lang="fr-FR" sz="2800" dirty="0" smtClean="0">
+                <a:latin typeface="Arial"/>
+              </a:rPr>
+              <a:t>Compilation </a:t>
+            </a:r>
+            <a:r>
+              <a:rPr lang="fr-FR" sz="2800" dirty="0" err="1" smtClean="0">
+                <a:latin typeface="Arial"/>
+              </a:rPr>
+              <a:t>Catapult</a:t>
+            </a:r>
+            <a:r>
+              <a:rPr lang="fr-FR" sz="2800" dirty="0" smtClean="0">
+                <a:latin typeface="Arial"/>
+              </a:rPr>
+              <a:t> C et tests après synthèse → création d’un </a:t>
+            </a:r>
+            <a:r>
+              <a:rPr lang="fr-FR" sz="2800" dirty="0" err="1" smtClean="0">
+                <a:latin typeface="Arial"/>
+              </a:rPr>
+              <a:t>makefile</a:t>
+            </a:r>
+            <a:r>
+              <a:rPr lang="fr-FR" sz="2800" dirty="0" smtClean="0">
+                <a:latin typeface="Arial"/>
+              </a:rPr>
+              <a:t> spécifique et émulation de la RAM</a:t>
+            </a:r>
+          </a:p>
+          <a:p>
+            <a:endParaRPr lang="fr-FR" sz="2800" dirty="0" smtClean="0">
+              <a:latin typeface="Arial"/>
+            </a:endParaRPr>
+          </a:p>
+          <a:p>
+            <a:r>
+              <a:rPr lang="fr-FR" sz="2800" dirty="0" smtClean="0">
+                <a:latin typeface="Arial"/>
+              </a:rPr>
+              <a:t>Signaux inversés et boucles ignorées par </a:t>
+            </a:r>
+            <a:r>
+              <a:rPr lang="fr-FR" sz="2800" dirty="0" err="1" smtClean="0">
+                <a:latin typeface="Arial"/>
+              </a:rPr>
+              <a:t>Catapult</a:t>
+            </a:r>
+            <a:r>
+              <a:rPr lang="fr-FR" sz="2800" dirty="0" smtClean="0">
+                <a:latin typeface="Arial"/>
+              </a:rPr>
+              <a:t> C</a:t>
+            </a:r>
+          </a:p>
+          <a:p>
+            <a:endParaRPr lang="fr-FR" sz="2800" dirty="0" smtClean="0">
+              <a:latin typeface="Arial"/>
+            </a:endParaRPr>
+          </a:p>
+          <a:p>
+            <a:r>
+              <a:rPr lang="fr-FR" sz="2800" dirty="0" smtClean="0">
+                <a:latin typeface="Arial"/>
+              </a:rPr>
+              <a:t>Plus de </a:t>
+            </a:r>
+            <a:r>
+              <a:rPr lang="fr-FR" sz="2800" dirty="0" err="1" smtClean="0">
+                <a:latin typeface="Arial"/>
+              </a:rPr>
+              <a:t>license</a:t>
+            </a:r>
+            <a:r>
+              <a:rPr lang="fr-FR" sz="2800" dirty="0" smtClean="0">
+                <a:latin typeface="Arial"/>
+              </a:rPr>
+              <a:t> </a:t>
+            </a:r>
+            <a:r>
+              <a:rPr lang="fr-FR" sz="2800" dirty="0" err="1" smtClean="0">
+                <a:latin typeface="Arial"/>
+              </a:rPr>
+              <a:t>Catapult</a:t>
+            </a:r>
+            <a:r>
+              <a:rPr lang="fr-FR" sz="2800" dirty="0" smtClean="0">
+                <a:latin typeface="Arial"/>
+              </a:rPr>
+              <a:t> C au 1</a:t>
+            </a:r>
+            <a:r>
+              <a:rPr lang="fr-FR" sz="2800" baseline="30000" dirty="0" smtClean="0">
+                <a:latin typeface="Arial"/>
+              </a:rPr>
+              <a:t>er</a:t>
+            </a:r>
+            <a:r>
+              <a:rPr lang="fr-FR" sz="2800" dirty="0" smtClean="0">
+                <a:latin typeface="Arial"/>
+              </a:rPr>
+              <a:t> janvier 2016 pendant 2 semaines</a:t>
+            </a:r>
+            <a:endParaRPr sz="2800" dirty="0"/>
+          </a:p>
+        </p:txBody>
+      </p:sp>
+    </p:spTree>
+  </p:cSld>
+  <p:clrMapOvr>
+    <a:masterClrMapping/>
+  </p:clrMapOvr>
+</p:sld>
+</file>
+
+<file path=ppt/slides/slide11.xml><?xml version="1.0" encoding="utf-8"?>
+<p:sld xmlns:a="http://schemas.openxmlformats.org/drawingml/2006/main" xmlns:r="http://schemas.openxmlformats.org/officeDocument/2006/relationships" xmlns:p="http://schemas.openxmlformats.org/presentationml/2006/main">
+  <p:cSld>
+    <p:spTree>
+      <p:nvGrpSpPr>
+        <p:cNvPr id="1" name=""/>
+        <p:cNvGrpSpPr/>
+        <p:nvPr/>
+      </p:nvGrpSpPr>
+      <p:grpSpPr>
+        <a:xfrm>
+          <a:off x="0" y="0"/>
+          <a:ext cx="0" cy="0"/>
+          <a:chOff x="0" y="0"/>
+          <a:chExt cx="0" cy="0"/>
+        </a:xfrm>
+      </p:grpSpPr>
+      <p:sp>
+        <p:nvSpPr>
+          <p:cNvPr id="2" name="Espace réservé de la date 1"/>
+          <p:cNvSpPr>
+            <a:spLocks noGrp="1"/>
+          </p:cNvSpPr>
+          <p:nvPr>
+            <p:ph type="dt" sz="half" idx="10"/>
+          </p:nvPr>
+        </p:nvSpPr>
+        <p:spPr/>
+        <p:txBody>
+          <a:bodyPr/>
+          <a:lstStyle/>
+          <a:p>
+            <a:fld id="{8B31A5C1-F273-48BE-BD1E-835B78EA49BE}" type="datetime1">
+              <a:rPr lang="fr-FR" smtClean="0"/>
+              <a:t>04/02/2016</a:t>
+            </a:fld>
+            <a:endParaRPr lang="fr-FR" dirty="0"/>
+          </a:p>
+        </p:txBody>
+      </p:sp>
+      <p:sp>
+        <p:nvSpPr>
+          <p:cNvPr id="3" name="Espace réservé du numéro de diapositive 2"/>
+          <p:cNvSpPr>
+            <a:spLocks noGrp="1"/>
+          </p:cNvSpPr>
+          <p:nvPr>
+            <p:ph type="sldNum" sz="quarter" idx="11"/>
+          </p:nvPr>
+        </p:nvSpPr>
+        <p:spPr/>
+        <p:txBody>
+          <a:bodyPr/>
+          <a:lstStyle/>
+          <a:p>
+            <a:fld id="{929B6B86-2D2F-4CEE-A99C-41D10340A526}" type="slidenum">
+              <a:rPr lang="fr-FR" smtClean="0"/>
+              <a:pPr/>
+              <a:t>11</a:t>
+            </a:fld>
+            <a:endParaRPr lang="fr-FR" dirty="0"/>
+          </a:p>
+        </p:txBody>
+      </p:sp>
+      <p:sp>
+        <p:nvSpPr>
+          <p:cNvPr id="4" name="Espace réservé du pied de page 3"/>
+          <p:cNvSpPr>
+            <a:spLocks noGrp="1"/>
+          </p:cNvSpPr>
+          <p:nvPr>
+            <p:ph type="ftr" sz="quarter" idx="12"/>
+          </p:nvPr>
+        </p:nvSpPr>
+        <p:spPr/>
+        <p:txBody>
+          <a:bodyPr/>
+          <a:lstStyle/>
+          <a:p>
+            <a:r>
+              <a:rPr lang="fr-FR" smtClean="0"/>
+              <a:t>Hans Julien, Perraud Frédéric – tuteur : Mancini Stéphane</a:t>
+            </a:r>
+            <a:endParaRPr lang="fr-FR" dirty="0"/>
+          </a:p>
+        </p:txBody>
+      </p:sp>
+      <p:sp>
+        <p:nvSpPr>
+          <p:cNvPr id="5" name="TextShape 1"/>
+          <p:cNvSpPr txBox="1"/>
+          <p:nvPr/>
+        </p:nvSpPr>
+        <p:spPr>
+          <a:xfrm>
             <a:off x="2123728" y="332656"/>
             <a:ext cx="6787800" cy="4532760"/>
           </a:xfrm>
@@ -4170,7 +4409,7 @@
           </a:prstGeom>
         </p:spPr>
         <p:txBody>
-          <a:bodyPr anchor="b"/>
+          <a:bodyPr anchor="t"/>
           <a:lstStyle/>
           <a:p>
             <a:r>
@@ -4179,28 +4418,43 @@
               </a:rPr>
               <a:t>Démonstration:</a:t>
             </a:r>
-            <a:r>
-              <a:rPr lang="fr-FR" sz="4400" u="sng" dirty="0">
-                <a:latin typeface="Arial"/>
-              </a:rPr>
-              <a:t>
-</a:t>
-            </a:r>
-            <a:r>
-              <a:rPr lang="fr-FR" sz="3200" u="sng" dirty="0">
-                <a:latin typeface="Arial"/>
-              </a:rPr>
-              <a:t>
-</a:t>
-            </a:r>
-            <a:r>
-              <a:rPr lang="fr-FR" sz="3200" dirty="0">
-                <a:latin typeface="Arial"/>
-              </a:rPr>
-              <a:t>
-</a:t>
-            </a:r>
-            <a:endParaRPr dirty="0"/>
+          </a:p>
+          <a:p>
+            <a:endParaRPr lang="fr-FR" sz="4800" dirty="0" smtClean="0">
+              <a:latin typeface="Arial"/>
+            </a:endParaRPr>
+          </a:p>
+          <a:p>
+            <a:endParaRPr lang="fr-FR" sz="4800" dirty="0" smtClean="0">
+              <a:latin typeface="Arial"/>
+            </a:endParaRPr>
+          </a:p>
+          <a:p>
+            <a:r>
+              <a:rPr lang="fr-FR" sz="2800" dirty="0" smtClean="0">
+                <a:latin typeface="Arial"/>
+              </a:rPr>
+              <a:t>Démonstration logicielle</a:t>
+            </a:r>
+          </a:p>
+          <a:p>
+            <a:endParaRPr lang="fr-FR" sz="2800" dirty="0" smtClean="0">
+              <a:latin typeface="Arial"/>
+            </a:endParaRPr>
+          </a:p>
+          <a:p>
+            <a:endParaRPr lang="fr-FR" sz="2800" dirty="0" smtClean="0">
+              <a:latin typeface="Arial"/>
+            </a:endParaRPr>
+          </a:p>
+          <a:p>
+            <a:r>
+              <a:rPr lang="fr-FR" sz="2800" dirty="0" smtClean="0">
+                <a:latin typeface="Arial"/>
+              </a:rPr>
+              <a:t>Démonstration sur carte</a:t>
+            </a:r>
+            <a:endParaRPr sz="2800" dirty="0"/>
           </a:p>
         </p:txBody>
       </p:sp>
